--- a/reports/figures/edit-desindex-panel-figures.pptx
+++ b/reports/figures/edit-desindex-panel-figures.pptx
@@ -15060,9 +15060,6 @@
               </a:rPr>
               <a:t>awards for enterprise</a:t>
             </a:r>
-            <a:endParaRPr lang="en-GB" sz="600" dirty="0">
-              <a:latin typeface="Helvetica" pitchFamily="2" charset="0"/>
-            </a:endParaRPr>
           </a:p>
         </p:txBody>
       </p:sp>
@@ -15106,9 +15103,6 @@
               </a:rPr>
               <a:t>and challenge your council tax band</a:t>
             </a:r>
-            <a:endParaRPr lang="en-GB" sz="600" dirty="0">
-              <a:latin typeface="Helvetica" pitchFamily="2" charset="0"/>
-            </a:endParaRPr>
           </a:p>
         </p:txBody>
       </p:sp>
@@ -15482,9 +15476,6 @@
               </a:rPr>
               <a:t>B</a:t>
             </a:r>
-            <a:endParaRPr lang="en-GB" sz="1200" b="1" dirty="0">
-              <a:latin typeface="Helvetica" pitchFamily="2" charset="0"/>
-            </a:endParaRPr>
           </a:p>
         </p:txBody>
       </p:sp>
@@ -15590,7 +15581,7 @@
         </p:nvSpPr>
         <p:spPr>
           <a:xfrm>
-            <a:off x="3256752" y="5736391"/>
+            <a:off x="3256752" y="5686861"/>
             <a:ext cx="2035847" cy="579326"/>
           </a:xfrm>
           <a:prstGeom prst="rect">
@@ -15882,8 +15873,8 @@
         </p:nvSpPr>
         <p:spPr>
           <a:xfrm>
-            <a:off x="3258650" y="5190665"/>
-            <a:ext cx="1080332" cy="718466"/>
+            <a:off x="3258649" y="5188125"/>
+            <a:ext cx="1368596" cy="648896"/>
           </a:xfrm>
           <a:prstGeom prst="rect">
             <a:avLst/>
@@ -15952,8 +15943,25 @@
                 <a:latin typeface="Helvetica" panose="020B0604020202020204" pitchFamily="34" charset="0"/>
                 <a:cs typeface="Helvetica" panose="020B0604020202020204" pitchFamily="34" charset="0"/>
               </a:rPr>
-              <a:t>• Apply for deceased military record</a:t>
+              <a:t>• Apply for deceased </a:t>
             </a:r>
+            <a:r>
+              <a:rPr lang="en-GB" sz="452" dirty="0" smtClean="0">
+                <a:solidFill>
+                  <a:schemeClr val="bg1"/>
+                </a:solidFill>
+                <a:latin typeface="Helvetica" panose="020B0604020202020204" pitchFamily="34" charset="0"/>
+                <a:cs typeface="Helvetica" panose="020B0604020202020204" pitchFamily="34" charset="0"/>
+              </a:rPr>
+              <a:t>military record</a:t>
+            </a:r>
+            <a:endParaRPr lang="en-GB" sz="452" dirty="0">
+              <a:solidFill>
+                <a:schemeClr val="bg1"/>
+              </a:solidFill>
+              <a:latin typeface="Helvetica" panose="020B0604020202020204" pitchFamily="34" charset="0"/>
+              <a:cs typeface="Helvetica" panose="020B0604020202020204" pitchFamily="34" charset="0"/>
+            </a:endParaRPr>
           </a:p>
           <a:p>
             <a:r>
@@ -16144,7 +16152,7 @@
         </p:nvSpPr>
         <p:spPr>
           <a:xfrm>
-            <a:off x="3941721" y="2338110"/>
+            <a:off x="3933235" y="2397701"/>
             <a:ext cx="268022" cy="232051"/>
           </a:xfrm>
           <a:prstGeom prst="rect">
@@ -16184,7 +16192,7 @@
         </p:nvSpPr>
         <p:spPr>
           <a:xfrm>
-            <a:off x="1852965" y="2367344"/>
+            <a:off x="1852965" y="2395284"/>
             <a:ext cx="268022" cy="232051"/>
           </a:xfrm>
           <a:prstGeom prst="rect">
@@ -16204,9 +16212,6 @@
               </a:rPr>
               <a:t>A</a:t>
             </a:r>
-            <a:endParaRPr lang="en-GB" sz="908" b="1" dirty="0">
-              <a:latin typeface="Helvetica" pitchFamily="2" charset="0"/>
-            </a:endParaRPr>
           </a:p>
         </p:txBody>
       </p:sp>
@@ -16224,7 +16229,7 @@
         </p:nvSpPr>
         <p:spPr>
           <a:xfrm>
-            <a:off x="1855781" y="4242965"/>
+            <a:off x="1855781" y="4314085"/>
             <a:ext cx="268022" cy="232051"/>
           </a:xfrm>
           <a:prstGeom prst="rect">
@@ -16272,7 +16277,7 @@
         </p:blipFill>
         <p:spPr>
           <a:xfrm>
-            <a:off x="2070065" y="2546910"/>
+            <a:off x="2070065" y="2574850"/>
             <a:ext cx="1903990" cy="1669375"/>
           </a:xfrm>
           <a:prstGeom prst="rect">
@@ -16294,7 +16299,7 @@
         </p:nvSpPr>
         <p:spPr>
           <a:xfrm>
-            <a:off x="2462979" y="4207135"/>
+            <a:off x="2462979" y="4235075"/>
             <a:ext cx="1179748" cy="182679"/>
           </a:xfrm>
           <a:prstGeom prst="rect">
@@ -16827,8 +16832,8 @@
         </p:nvSpPr>
         <p:spPr>
           <a:xfrm flipV="1">
-            <a:off x="2342987" y="4666463"/>
-            <a:ext cx="131309" cy="68936"/>
+            <a:off x="2046612" y="4647248"/>
+            <a:ext cx="165093" cy="86672"/>
           </a:xfrm>
           <a:prstGeom prst="rect">
             <a:avLst/>
@@ -16884,8 +16889,8 @@
         </p:nvSpPr>
         <p:spPr>
           <a:xfrm>
-            <a:off x="2426868" y="4622684"/>
-            <a:ext cx="298480" cy="161904"/>
+            <a:off x="2152266" y="4600968"/>
+            <a:ext cx="308098" cy="169277"/>
           </a:xfrm>
           <a:prstGeom prst="rect">
             <a:avLst/>
@@ -16899,82 +16904,32 @@
           <a:lstStyle/>
           <a:p>
             <a:r>
+              <a:rPr lang="en-GB" sz="500" dirty="0">
+                <a:latin typeface="Helvetica" panose="020B0604020202020204" pitchFamily="34" charset="0"/>
+                <a:cs typeface="Helvetica" panose="020B0604020202020204" pitchFamily="34" charset="0"/>
+              </a:rPr>
+              <a:t>n=1</a:t>
+            </a:r>
+            <a:r>
               <a:rPr lang="en-GB" sz="452" dirty="0">
                 <a:latin typeface="Helvetica" panose="020B0604020202020204" pitchFamily="34" charset="0"/>
                 <a:cs typeface="Helvetica" panose="020B0604020202020204" pitchFamily="34" charset="0"/>
               </a:rPr>
-              <a:t>n=1 </a:t>
+              <a:t> </a:t>
             </a:r>
           </a:p>
         </p:txBody>
       </p:sp>
       <p:sp>
         <p:nvSpPr>
-          <p:cNvPr id="113" name="Rectangle 112"/>
-          <p:cNvSpPr/>
-          <p:nvPr/>
-        </p:nvSpPr>
-        <p:spPr>
-          <a:xfrm flipV="1">
-            <a:off x="3014555" y="4666463"/>
-            <a:ext cx="131309" cy="68936"/>
-          </a:xfrm>
-          <a:prstGeom prst="rect">
-            <a:avLst/>
-          </a:prstGeom>
-          <a:solidFill>
-            <a:srgbClr val="407280"/>
-          </a:solidFill>
-          <a:ln w="6350">
-            <a:solidFill>
-              <a:schemeClr val="tx1"/>
-            </a:solidFill>
-          </a:ln>
-        </p:spPr>
-        <p:style>
-          <a:lnRef idx="2">
-            <a:schemeClr val="accent1">
-              <a:shade val="50000"/>
-            </a:schemeClr>
-          </a:lnRef>
-          <a:fillRef idx="1">
-            <a:schemeClr val="accent1"/>
-          </a:fillRef>
-          <a:effectRef idx="0">
-            <a:schemeClr val="accent1"/>
-          </a:effectRef>
-          <a:fontRef idx="minor">
-            <a:schemeClr val="lt1"/>
-          </a:fontRef>
-        </p:style>
-        <p:txBody>
-          <a:bodyPr rtlCol="0" anchor="ctr"/>
-          <a:lstStyle/>
-          <a:p>
-            <a:pPr algn="ctr"/>
-            <a:endParaRPr lang="en-GB" sz="543" b="1" dirty="0">
-              <a:solidFill>
-                <a:schemeClr val="tx1">
-                  <a:lumMod val="85000"/>
-                  <a:lumOff val="15000"/>
-                </a:schemeClr>
-              </a:solidFill>
-              <a:latin typeface="Helvetica" panose="020B0604020202020204" pitchFamily="34" charset="0"/>
-              <a:cs typeface="Helvetica" panose="020B0604020202020204" pitchFamily="34" charset="0"/>
-            </a:endParaRPr>
-          </a:p>
-        </p:txBody>
-      </p:sp>
-      <p:sp>
-        <p:nvSpPr>
-          <p:cNvPr id="114" name="TextBox 113"/>
+          <p:cNvPr id="116" name="TextBox 115"/>
           <p:cNvSpPr txBox="1"/>
           <p:nvPr/>
         </p:nvSpPr>
         <p:spPr>
           <a:xfrm>
-            <a:off x="3098438" y="4624726"/>
-            <a:ext cx="298480" cy="161904"/>
+            <a:off x="1951691" y="4478178"/>
+            <a:ext cx="1071127" cy="169277"/>
           </a:xfrm>
           <a:prstGeom prst="rect">
             <a:avLst/>
@@ -16988,43 +16943,18 @@
           <a:lstStyle/>
           <a:p>
             <a:r>
-              <a:rPr lang="en-GB" sz="452" dirty="0">
+              <a:rPr lang="en-GB" sz="500" b="1" dirty="0" smtClean="0">
                 <a:latin typeface="Helvetica" panose="020B0604020202020204" pitchFamily="34" charset="0"/>
                 <a:cs typeface="Helvetica" panose="020B0604020202020204" pitchFamily="34" charset="0"/>
               </a:rPr>
-              <a:t>n=7 </a:t>
+              <a:t>No. </a:t>
             </a:r>
-          </a:p>
-        </p:txBody>
-      </p:sp>
-      <p:sp>
-        <p:nvSpPr>
-          <p:cNvPr id="116" name="TextBox 115"/>
-          <p:cNvSpPr txBox="1"/>
-          <p:nvPr/>
-        </p:nvSpPr>
-        <p:spPr>
-          <a:xfrm>
-            <a:off x="2272717" y="4516937"/>
-            <a:ext cx="931665" cy="161904"/>
-          </a:xfrm>
-          <a:prstGeom prst="rect">
-            <a:avLst/>
-          </a:prstGeom>
-          <a:noFill/>
-        </p:spPr>
-        <p:txBody>
-          <a:bodyPr wrap="none" rtlCol="0">
-            <a:spAutoFit/>
-          </a:bodyPr>
-          <a:lstStyle/>
-          <a:p>
             <a:r>
-              <a:rPr lang="en-GB" sz="452" b="1" dirty="0">
+              <a:rPr lang="en-GB" sz="500" b="1" dirty="0">
                 <a:latin typeface="Helvetica" panose="020B0604020202020204" pitchFamily="34" charset="0"/>
                 <a:cs typeface="Helvetica" panose="020B0604020202020204" pitchFamily="34" charset="0"/>
               </a:rPr>
-              <a:t># of organisations involved</a:t>
+              <a:t>of organisations involved</a:t>
             </a:r>
           </a:p>
         </p:txBody>
@@ -17301,14 +17231,476 @@
       </p:sp>
       <p:sp>
         <p:nvSpPr>
-          <p:cNvPr id="60" name="Rectangle 59"/>
+          <p:cNvPr id="67" name="TextBox 66">
+            <a:extLst>
+              <a:ext uri="{FF2B5EF4-FFF2-40B4-BE49-F238E27FC236}">
+                <a16:creationId xmlns:a16="http://schemas.microsoft.com/office/drawing/2014/main" id="{48A14326-E42E-B11D-29FB-16036A35C13B}"/>
+              </a:ext>
+            </a:extLst>
+          </p:cNvPr>
+          <p:cNvSpPr txBox="1"/>
+          <p:nvPr/>
+        </p:nvSpPr>
+        <p:spPr>
+          <a:xfrm rot="16200000">
+            <a:off x="1394325" y="3158634"/>
+            <a:ext cx="1179748" cy="200055"/>
+          </a:xfrm>
+          <a:prstGeom prst="rect">
+            <a:avLst/>
+          </a:prstGeom>
+          <a:noFill/>
+        </p:spPr>
+        <p:txBody>
+          <a:bodyPr wrap="square" rtlCol="0">
+            <a:spAutoFit/>
+          </a:bodyPr>
+          <a:lstStyle/>
+          <a:p>
+            <a:pPr algn="ctr"/>
+            <a:r>
+              <a:rPr lang="en-GB" sz="700" dirty="0" err="1">
+                <a:latin typeface="HeiT" panose="020B0502000000000001" pitchFamily="34" charset="-120"/>
+                <a:ea typeface="HeiT" panose="020B0502000000000001" pitchFamily="34" charset="-120"/>
+                <a:cs typeface="Helvetica" panose="020B0604020202020204" pitchFamily="34" charset="0"/>
+              </a:rPr>
+              <a:t>AST</a:t>
+            </a:r>
+            <a:r>
+              <a:rPr lang="en-GB" sz="700" baseline="-25000" dirty="0" err="1">
+                <a:latin typeface="HeiT" panose="020B0502000000000001" pitchFamily="34" charset="-120"/>
+                <a:ea typeface="HeiT" panose="020B0502000000000001" pitchFamily="34" charset="-120"/>
+                <a:cs typeface="Helvetica" panose="020B0604020202020204" pitchFamily="34" charset="0"/>
+              </a:rPr>
+              <a:t>k</a:t>
+            </a:r>
+            <a:endParaRPr lang="en-GB" sz="700" baseline="-25000" dirty="0">
+              <a:latin typeface="HeiT" panose="020B0502000000000001" pitchFamily="34" charset="-120"/>
+              <a:ea typeface="HeiT" panose="020B0502000000000001" pitchFamily="34" charset="-120"/>
+              <a:cs typeface="Helvetica" panose="020B0604020202020204" pitchFamily="34" charset="0"/>
+            </a:endParaRPr>
+          </a:p>
+        </p:txBody>
+      </p:sp>
+      <p:pic>
+        <p:nvPicPr>
+          <p:cNvPr id="9" name="Picture 8"/>
+          <p:cNvPicPr>
+            <a:picLocks noChangeAspect="1"/>
+          </p:cNvPicPr>
+          <p:nvPr/>
+        </p:nvPicPr>
+        <p:blipFill>
+          <a:blip r:embed="rId4">
+            <a:extLst>
+              <a:ext uri="{28A0092B-C50C-407E-A947-70E740481C1C}">
+                <a14:useLocalDpi xmlns:a14="http://schemas.microsoft.com/office/drawing/2010/main" val="0"/>
+              </a:ext>
+            </a:extLst>
+          </a:blip>
+          <a:stretch>
+            <a:fillRect/>
+          </a:stretch>
+        </p:blipFill>
+        <p:spPr>
+          <a:xfrm>
+            <a:off x="4213513" y="2580639"/>
+            <a:ext cx="2118746" cy="1544079"/>
+          </a:xfrm>
+          <a:prstGeom prst="rect">
+            <a:avLst/>
+          </a:prstGeom>
+        </p:spPr>
+      </p:pic>
+      <p:sp>
+        <p:nvSpPr>
+          <p:cNvPr id="70" name="TextBox 69">
+            <a:extLst>
+              <a:ext uri="{FF2B5EF4-FFF2-40B4-BE49-F238E27FC236}">
+                <a16:creationId xmlns:a16="http://schemas.microsoft.com/office/drawing/2014/main" id="{48A14326-E42E-B11D-29FB-16036A35C13B}"/>
+              </a:ext>
+            </a:extLst>
+          </p:cNvPr>
+          <p:cNvSpPr txBox="1"/>
+          <p:nvPr/>
+        </p:nvSpPr>
+        <p:spPr>
+          <a:xfrm rot="16200000">
+            <a:off x="3538070" y="3125592"/>
+            <a:ext cx="1179748" cy="307777"/>
+          </a:xfrm>
+          <a:prstGeom prst="rect">
+            <a:avLst/>
+          </a:prstGeom>
+          <a:noFill/>
+        </p:spPr>
+        <p:txBody>
+          <a:bodyPr wrap="square" rtlCol="0">
+            <a:spAutoFit/>
+          </a:bodyPr>
+          <a:lstStyle/>
+          <a:p>
+            <a:pPr algn="ctr"/>
+            <a:r>
+              <a:rPr lang="en-GB" sz="700" dirty="0" smtClean="0">
+                <a:latin typeface="HeiT" panose="020B0502000000000001" pitchFamily="34" charset="-120"/>
+                <a:ea typeface="HeiT" panose="020B0502000000000001" pitchFamily="34" charset="-120"/>
+                <a:cs typeface="Helvetica" panose="020B0604020202020204" pitchFamily="34" charset="0"/>
+              </a:rPr>
+              <a:t>Transaction volume</a:t>
+            </a:r>
+          </a:p>
+          <a:p>
+            <a:pPr algn="ctr"/>
+            <a:r>
+              <a:rPr lang="en-GB" sz="700" dirty="0" smtClean="0">
+                <a:latin typeface="HeiT" panose="020B0502000000000001" pitchFamily="34" charset="-120"/>
+                <a:ea typeface="HeiT" panose="020B0502000000000001" pitchFamily="34" charset="-120"/>
+                <a:cs typeface="Helvetica" panose="020B0604020202020204" pitchFamily="34" charset="0"/>
+              </a:rPr>
+              <a:t> (% of total)</a:t>
+            </a:r>
+            <a:endParaRPr lang="en-GB" sz="700" baseline="-25000" dirty="0">
+              <a:latin typeface="HeiT" panose="020B0502000000000001" pitchFamily="34" charset="-120"/>
+              <a:ea typeface="HeiT" panose="020B0502000000000001" pitchFamily="34" charset="-120"/>
+              <a:cs typeface="Helvetica" panose="020B0604020202020204" pitchFamily="34" charset="0"/>
+            </a:endParaRPr>
+          </a:p>
+        </p:txBody>
+      </p:sp>
+      <p:sp>
+        <p:nvSpPr>
+          <p:cNvPr id="71" name="TextBox 70">
+            <a:extLst>
+              <a:ext uri="{FF2B5EF4-FFF2-40B4-BE49-F238E27FC236}">
+                <a16:creationId xmlns:a16="http://schemas.microsoft.com/office/drawing/2014/main" id="{48A14326-E42E-B11D-29FB-16036A35C13B}"/>
+              </a:ext>
+            </a:extLst>
+          </p:cNvPr>
+          <p:cNvSpPr txBox="1"/>
+          <p:nvPr/>
+        </p:nvSpPr>
+        <p:spPr>
+          <a:xfrm>
+            <a:off x="4688660" y="4148637"/>
+            <a:ext cx="1179748" cy="184666"/>
+          </a:xfrm>
+          <a:prstGeom prst="rect">
+            <a:avLst/>
+          </a:prstGeom>
+          <a:noFill/>
+        </p:spPr>
+        <p:txBody>
+          <a:bodyPr wrap="square" rtlCol="0">
+            <a:spAutoFit/>
+          </a:bodyPr>
+          <a:lstStyle/>
+          <a:p>
+            <a:pPr algn="ctr"/>
+            <a:r>
+              <a:rPr lang="en-GB" sz="600" dirty="0" err="1">
+                <a:latin typeface="HeiT" panose="020B0502000000000001" pitchFamily="34" charset="-120"/>
+                <a:ea typeface="HeiT" panose="020B0502000000000001" pitchFamily="34" charset="-120"/>
+                <a:cs typeface="Helvetica" panose="020B0604020202020204" pitchFamily="34" charset="0"/>
+              </a:rPr>
+              <a:t>AST</a:t>
+            </a:r>
+            <a:r>
+              <a:rPr lang="en-GB" sz="600" baseline="-25000" dirty="0" err="1">
+                <a:latin typeface="HeiT" panose="020B0502000000000001" pitchFamily="34" charset="-120"/>
+                <a:ea typeface="HeiT" panose="020B0502000000000001" pitchFamily="34" charset="-120"/>
+                <a:cs typeface="Helvetica" panose="020B0604020202020204" pitchFamily="34" charset="0"/>
+              </a:rPr>
+              <a:t>k</a:t>
+            </a:r>
+            <a:endParaRPr lang="en-GB" sz="600" baseline="-25000" dirty="0">
+              <a:latin typeface="HeiT" panose="020B0502000000000001" pitchFamily="34" charset="-120"/>
+              <a:ea typeface="HeiT" panose="020B0502000000000001" pitchFamily="34" charset="-120"/>
+              <a:cs typeface="Helvetica" panose="020B0604020202020204" pitchFamily="34" charset="0"/>
+            </a:endParaRPr>
+          </a:p>
+        </p:txBody>
+      </p:sp>
+      <p:sp>
+        <p:nvSpPr>
+          <p:cNvPr id="72" name="TextBox 71">
+            <a:extLst>
+              <a:ext uri="{FF2B5EF4-FFF2-40B4-BE49-F238E27FC236}">
+                <a16:creationId xmlns:a16="http://schemas.microsoft.com/office/drawing/2014/main" id="{48A14326-E42E-B11D-29FB-16036A35C13B}"/>
+              </a:ext>
+            </a:extLst>
+          </p:cNvPr>
+          <p:cNvSpPr txBox="1"/>
+          <p:nvPr/>
+        </p:nvSpPr>
+        <p:spPr>
+          <a:xfrm>
+            <a:off x="3910802" y="3879193"/>
+            <a:ext cx="1179748" cy="161583"/>
+          </a:xfrm>
+          <a:prstGeom prst="rect">
+            <a:avLst/>
+          </a:prstGeom>
+          <a:noFill/>
+        </p:spPr>
+        <p:txBody>
+          <a:bodyPr wrap="square" rtlCol="0">
+            <a:spAutoFit/>
+          </a:bodyPr>
+          <a:lstStyle/>
+          <a:p>
+            <a:pPr algn="ctr"/>
+            <a:r>
+              <a:rPr lang="en-GB" sz="450" dirty="0" smtClean="0">
+                <a:latin typeface="Helvetica" panose="020B0604020202020204" pitchFamily="34" charset="0"/>
+                <a:ea typeface="HeiT" panose="020B0502000000000001" pitchFamily="34" charset="-120"/>
+                <a:cs typeface="Helvetica" panose="020B0604020202020204" pitchFamily="34" charset="0"/>
+              </a:rPr>
+              <a:t>n=7</a:t>
+            </a:r>
+            <a:endParaRPr lang="en-GB" sz="450" baseline="-25000" dirty="0">
+              <a:latin typeface="Helvetica" panose="020B0604020202020204" pitchFamily="34" charset="0"/>
+              <a:ea typeface="HeiT" panose="020B0502000000000001" pitchFamily="34" charset="-120"/>
+              <a:cs typeface="Helvetica" panose="020B0604020202020204" pitchFamily="34" charset="0"/>
+            </a:endParaRPr>
+          </a:p>
+        </p:txBody>
+      </p:sp>
+      <p:sp>
+        <p:nvSpPr>
+          <p:cNvPr id="73" name="TextBox 72">
+            <a:extLst>
+              <a:ext uri="{FF2B5EF4-FFF2-40B4-BE49-F238E27FC236}">
+                <a16:creationId xmlns:a16="http://schemas.microsoft.com/office/drawing/2014/main" id="{48A14326-E42E-B11D-29FB-16036A35C13B}"/>
+              </a:ext>
+            </a:extLst>
+          </p:cNvPr>
+          <p:cNvSpPr txBox="1"/>
+          <p:nvPr/>
+        </p:nvSpPr>
+        <p:spPr>
+          <a:xfrm>
+            <a:off x="4227130" y="3788663"/>
+            <a:ext cx="1179748" cy="161583"/>
+          </a:xfrm>
+          <a:prstGeom prst="rect">
+            <a:avLst/>
+          </a:prstGeom>
+          <a:noFill/>
+        </p:spPr>
+        <p:txBody>
+          <a:bodyPr wrap="square" rtlCol="0">
+            <a:spAutoFit/>
+          </a:bodyPr>
+          <a:lstStyle/>
+          <a:p>
+            <a:pPr algn="ctr"/>
+            <a:r>
+              <a:rPr lang="en-GB" sz="450" dirty="0" smtClean="0">
+                <a:latin typeface="Helvetica" panose="020B0604020202020204" pitchFamily="34" charset="0"/>
+                <a:ea typeface="HeiT" panose="020B0502000000000001" pitchFamily="34" charset="-120"/>
+                <a:cs typeface="Helvetica" panose="020B0604020202020204" pitchFamily="34" charset="0"/>
+              </a:rPr>
+              <a:t>n=8</a:t>
+            </a:r>
+            <a:endParaRPr lang="en-GB" sz="450" baseline="-25000" dirty="0">
+              <a:latin typeface="Helvetica" panose="020B0604020202020204" pitchFamily="34" charset="0"/>
+              <a:ea typeface="HeiT" panose="020B0502000000000001" pitchFamily="34" charset="-120"/>
+              <a:cs typeface="Helvetica" panose="020B0604020202020204" pitchFamily="34" charset="0"/>
+            </a:endParaRPr>
+          </a:p>
+        </p:txBody>
+      </p:sp>
+      <p:sp>
+        <p:nvSpPr>
+          <p:cNvPr id="74" name="TextBox 73">
+            <a:extLst>
+              <a:ext uri="{FF2B5EF4-FFF2-40B4-BE49-F238E27FC236}">
+                <a16:creationId xmlns:a16="http://schemas.microsoft.com/office/drawing/2014/main" id="{48A14326-E42E-B11D-29FB-16036A35C13B}"/>
+              </a:ext>
+            </a:extLst>
+          </p:cNvPr>
+          <p:cNvSpPr txBox="1"/>
+          <p:nvPr/>
+        </p:nvSpPr>
+        <p:spPr>
+          <a:xfrm>
+            <a:off x="4555329" y="3747516"/>
+            <a:ext cx="1179748" cy="161583"/>
+          </a:xfrm>
+          <a:prstGeom prst="rect">
+            <a:avLst/>
+          </a:prstGeom>
+          <a:noFill/>
+        </p:spPr>
+        <p:txBody>
+          <a:bodyPr wrap="square" rtlCol="0">
+            <a:spAutoFit/>
+          </a:bodyPr>
+          <a:lstStyle/>
+          <a:p>
+            <a:pPr algn="ctr"/>
+            <a:r>
+              <a:rPr lang="en-GB" sz="450" dirty="0" smtClean="0">
+                <a:latin typeface="Helvetica" panose="020B0604020202020204" pitchFamily="34" charset="0"/>
+                <a:ea typeface="HeiT" panose="020B0502000000000001" pitchFamily="34" charset="-120"/>
+                <a:cs typeface="Helvetica" panose="020B0604020202020204" pitchFamily="34" charset="0"/>
+              </a:rPr>
+              <a:t>n=30</a:t>
+            </a:r>
+            <a:endParaRPr lang="en-GB" sz="450" baseline="-25000" dirty="0">
+              <a:latin typeface="Helvetica" panose="020B0604020202020204" pitchFamily="34" charset="0"/>
+              <a:ea typeface="HeiT" panose="020B0502000000000001" pitchFamily="34" charset="-120"/>
+              <a:cs typeface="Helvetica" panose="020B0604020202020204" pitchFamily="34" charset="0"/>
+            </a:endParaRPr>
+          </a:p>
+        </p:txBody>
+      </p:sp>
+      <p:sp>
+        <p:nvSpPr>
+          <p:cNvPr id="76" name="TextBox 75">
+            <a:extLst>
+              <a:ext uri="{FF2B5EF4-FFF2-40B4-BE49-F238E27FC236}">
+                <a16:creationId xmlns:a16="http://schemas.microsoft.com/office/drawing/2014/main" id="{48A14326-E42E-B11D-29FB-16036A35C13B}"/>
+              </a:ext>
+            </a:extLst>
+          </p:cNvPr>
+          <p:cNvSpPr txBox="1"/>
+          <p:nvPr/>
+        </p:nvSpPr>
+        <p:spPr>
+          <a:xfrm>
+            <a:off x="4853920" y="3796824"/>
+            <a:ext cx="1179748" cy="161583"/>
+          </a:xfrm>
+          <a:prstGeom prst="rect">
+            <a:avLst/>
+          </a:prstGeom>
+          <a:noFill/>
+        </p:spPr>
+        <p:txBody>
+          <a:bodyPr wrap="square" rtlCol="0">
+            <a:spAutoFit/>
+          </a:bodyPr>
+          <a:lstStyle/>
+          <a:p>
+            <a:pPr algn="ctr"/>
+            <a:r>
+              <a:rPr lang="en-GB" sz="450" dirty="0" smtClean="0">
+                <a:latin typeface="Helvetica" panose="020B0604020202020204" pitchFamily="34" charset="0"/>
+                <a:ea typeface="HeiT" panose="020B0502000000000001" pitchFamily="34" charset="-120"/>
+                <a:cs typeface="Helvetica" panose="020B0604020202020204" pitchFamily="34" charset="0"/>
+              </a:rPr>
+              <a:t>n=47</a:t>
+            </a:r>
+            <a:endParaRPr lang="en-GB" sz="450" baseline="-25000" dirty="0">
+              <a:latin typeface="Helvetica" panose="020B0604020202020204" pitchFamily="34" charset="0"/>
+              <a:ea typeface="HeiT" panose="020B0502000000000001" pitchFamily="34" charset="-120"/>
+              <a:cs typeface="Helvetica" panose="020B0604020202020204" pitchFamily="34" charset="0"/>
+            </a:endParaRPr>
+          </a:p>
+        </p:txBody>
+      </p:sp>
+      <p:sp>
+        <p:nvSpPr>
+          <p:cNvPr id="77" name="TextBox 76">
+            <a:extLst>
+              <a:ext uri="{FF2B5EF4-FFF2-40B4-BE49-F238E27FC236}">
+                <a16:creationId xmlns:a16="http://schemas.microsoft.com/office/drawing/2014/main" id="{48A14326-E42E-B11D-29FB-16036A35C13B}"/>
+              </a:ext>
+            </a:extLst>
+          </p:cNvPr>
+          <p:cNvSpPr txBox="1"/>
+          <p:nvPr/>
+        </p:nvSpPr>
+        <p:spPr>
+          <a:xfrm>
+            <a:off x="5175012" y="3454363"/>
+            <a:ext cx="1179748" cy="161583"/>
+          </a:xfrm>
+          <a:prstGeom prst="rect">
+            <a:avLst/>
+          </a:prstGeom>
+          <a:noFill/>
+        </p:spPr>
+        <p:txBody>
+          <a:bodyPr wrap="square" rtlCol="0">
+            <a:spAutoFit/>
+          </a:bodyPr>
+          <a:lstStyle/>
+          <a:p>
+            <a:pPr algn="ctr"/>
+            <a:r>
+              <a:rPr lang="en-GB" sz="450" dirty="0" smtClean="0">
+                <a:latin typeface="Helvetica" panose="020B0604020202020204" pitchFamily="34" charset="0"/>
+                <a:ea typeface="HeiT" panose="020B0502000000000001" pitchFamily="34" charset="-120"/>
+                <a:cs typeface="Helvetica" panose="020B0604020202020204" pitchFamily="34" charset="0"/>
+              </a:rPr>
+              <a:t>n=39</a:t>
+            </a:r>
+            <a:endParaRPr lang="en-GB" sz="450" baseline="-25000" dirty="0">
+              <a:latin typeface="Helvetica" panose="020B0604020202020204" pitchFamily="34" charset="0"/>
+              <a:ea typeface="HeiT" panose="020B0502000000000001" pitchFamily="34" charset="-120"/>
+              <a:cs typeface="Helvetica" panose="020B0604020202020204" pitchFamily="34" charset="0"/>
+            </a:endParaRPr>
+          </a:p>
+        </p:txBody>
+      </p:sp>
+      <p:sp>
+        <p:nvSpPr>
+          <p:cNvPr id="78" name="TextBox 77">
+            <a:extLst>
+              <a:ext uri="{FF2B5EF4-FFF2-40B4-BE49-F238E27FC236}">
+                <a16:creationId xmlns:a16="http://schemas.microsoft.com/office/drawing/2014/main" id="{48A14326-E42E-B11D-29FB-16036A35C13B}"/>
+              </a:ext>
+            </a:extLst>
+          </p:cNvPr>
+          <p:cNvSpPr txBox="1"/>
+          <p:nvPr/>
+        </p:nvSpPr>
+        <p:spPr>
+          <a:xfrm>
+            <a:off x="5525102" y="2627335"/>
+            <a:ext cx="1179748" cy="161583"/>
+          </a:xfrm>
+          <a:prstGeom prst="rect">
+            <a:avLst/>
+          </a:prstGeom>
+          <a:noFill/>
+        </p:spPr>
+        <p:txBody>
+          <a:bodyPr wrap="square" rtlCol="0">
+            <a:spAutoFit/>
+          </a:bodyPr>
+          <a:lstStyle/>
+          <a:p>
+            <a:pPr algn="ctr"/>
+            <a:r>
+              <a:rPr lang="en-GB" sz="450" dirty="0" smtClean="0">
+                <a:latin typeface="Helvetica" panose="020B0604020202020204" pitchFamily="34" charset="0"/>
+                <a:ea typeface="HeiT" panose="020B0502000000000001" pitchFamily="34" charset="-120"/>
+                <a:cs typeface="Helvetica" panose="020B0604020202020204" pitchFamily="34" charset="0"/>
+              </a:rPr>
+              <a:t>n=70</a:t>
+            </a:r>
+            <a:endParaRPr lang="en-GB" sz="450" baseline="-25000" dirty="0">
+              <a:latin typeface="Helvetica" panose="020B0604020202020204" pitchFamily="34" charset="0"/>
+              <a:ea typeface="HeiT" panose="020B0502000000000001" pitchFamily="34" charset="-120"/>
+              <a:cs typeface="Helvetica" panose="020B0604020202020204" pitchFamily="34" charset="0"/>
+            </a:endParaRPr>
+          </a:p>
+        </p:txBody>
+      </p:sp>
+      <p:sp>
+        <p:nvSpPr>
+          <p:cNvPr id="44" name="Rectangle 43"/>
           <p:cNvSpPr/>
           <p:nvPr/>
         </p:nvSpPr>
         <p:spPr>
           <a:xfrm flipV="1">
-            <a:off x="2678771" y="4666463"/>
-            <a:ext cx="131309" cy="68936"/>
+            <a:off x="2514699" y="4647248"/>
+            <a:ext cx="165093" cy="86672"/>
           </a:xfrm>
           <a:prstGeom prst="rect">
             <a:avLst/>
@@ -17358,14 +17750,14 @@
       </p:sp>
       <p:sp>
         <p:nvSpPr>
-          <p:cNvPr id="61" name="TextBox 60"/>
+          <p:cNvPr id="45" name="TextBox 44"/>
           <p:cNvSpPr txBox="1"/>
           <p:nvPr/>
         </p:nvSpPr>
         <p:spPr>
           <a:xfrm>
-            <a:off x="2762652" y="4622684"/>
-            <a:ext cx="298480" cy="161904"/>
+            <a:off x="2620353" y="4600968"/>
+            <a:ext cx="308098" cy="169277"/>
           </a:xfrm>
           <a:prstGeom prst="rect">
             <a:avLst/>
@@ -17379,31 +17771,93 @@
           <a:lstStyle/>
           <a:p>
             <a:r>
-              <a:rPr lang="en-GB" sz="452" dirty="0">
+              <a:rPr lang="en-GB" sz="500" dirty="0" smtClean="0">
                 <a:latin typeface="Helvetica" panose="020B0604020202020204" pitchFamily="34" charset="0"/>
                 <a:cs typeface="Helvetica" panose="020B0604020202020204" pitchFamily="34" charset="0"/>
               </a:rPr>
-              <a:t>n=4 </a:t>
+              <a:t>n=4</a:t>
             </a:r>
+            <a:r>
+              <a:rPr lang="en-GB" sz="452" dirty="0" smtClean="0">
+                <a:latin typeface="Helvetica" panose="020B0604020202020204" pitchFamily="34" charset="0"/>
+                <a:cs typeface="Helvetica" panose="020B0604020202020204" pitchFamily="34" charset="0"/>
+              </a:rPr>
+              <a:t> </a:t>
+            </a:r>
+            <a:endParaRPr lang="en-GB" sz="452" dirty="0">
+              <a:latin typeface="Helvetica" panose="020B0604020202020204" pitchFamily="34" charset="0"/>
+              <a:cs typeface="Helvetica" panose="020B0604020202020204" pitchFamily="34" charset="0"/>
+            </a:endParaRPr>
           </a:p>
         </p:txBody>
       </p:sp>
       <p:sp>
         <p:nvSpPr>
-          <p:cNvPr id="67" name="TextBox 66">
-            <a:extLst>
-              <a:ext uri="{FF2B5EF4-FFF2-40B4-BE49-F238E27FC236}">
-                <a16:creationId xmlns:a16="http://schemas.microsoft.com/office/drawing/2014/main" id="{48A14326-E42E-B11D-29FB-16036A35C13B}"/>
-              </a:ext>
-            </a:extLst>
-          </p:cNvPr>
+          <p:cNvPr id="46" name="Rectangle 45"/>
+          <p:cNvSpPr/>
+          <p:nvPr/>
+        </p:nvSpPr>
+        <p:spPr>
+          <a:xfrm flipV="1">
+            <a:off x="2945908" y="4647248"/>
+            <a:ext cx="165093" cy="86672"/>
+          </a:xfrm>
+          <a:prstGeom prst="rect">
+            <a:avLst/>
+          </a:prstGeom>
+          <a:solidFill>
+            <a:srgbClr val="407280"/>
+          </a:solidFill>
+          <a:ln w="6350">
+            <a:solidFill>
+              <a:schemeClr val="tx1"/>
+            </a:solidFill>
+          </a:ln>
+        </p:spPr>
+        <p:style>
+          <a:lnRef idx="2">
+            <a:schemeClr val="accent1">
+              <a:shade val="50000"/>
+            </a:schemeClr>
+          </a:lnRef>
+          <a:fillRef idx="1">
+            <a:schemeClr val="accent1"/>
+          </a:fillRef>
+          <a:effectRef idx="0">
+            <a:schemeClr val="accent1"/>
+          </a:effectRef>
+          <a:fontRef idx="minor">
+            <a:schemeClr val="lt1"/>
+          </a:fontRef>
+        </p:style>
+        <p:txBody>
+          <a:bodyPr rtlCol="0" anchor="ctr"/>
+          <a:lstStyle/>
+          <a:p>
+            <a:pPr algn="ctr"/>
+            <a:endParaRPr lang="en-GB" sz="543" b="1" dirty="0">
+              <a:solidFill>
+                <a:schemeClr val="tx1">
+                  <a:lumMod val="85000"/>
+                  <a:lumOff val="15000"/>
+                </a:schemeClr>
+              </a:solidFill>
+              <a:latin typeface="Helvetica" panose="020B0604020202020204" pitchFamily="34" charset="0"/>
+              <a:cs typeface="Helvetica" panose="020B0604020202020204" pitchFamily="34" charset="0"/>
+            </a:endParaRPr>
+          </a:p>
+        </p:txBody>
+      </p:sp>
+      <p:sp>
+        <p:nvSpPr>
+          <p:cNvPr id="47" name="TextBox 46"/>
           <p:cNvSpPr txBox="1"/>
           <p:nvPr/>
         </p:nvSpPr>
         <p:spPr>
-          <a:xfrm rot="16200000">
-            <a:off x="1394325" y="3130694"/>
-            <a:ext cx="1179748" cy="200055"/>
+          <a:xfrm>
+            <a:off x="3051562" y="4600968"/>
+            <a:ext cx="308098" cy="169277"/>
           </a:xfrm>
           <a:prstGeom prst="rect">
             <a:avLst/>
@@ -17411,440 +17865,27 @@
           <a:noFill/>
         </p:spPr>
         <p:txBody>
-          <a:bodyPr wrap="square" rtlCol="0">
+          <a:bodyPr wrap="none" rtlCol="0">
             <a:spAutoFit/>
           </a:bodyPr>
           <a:lstStyle/>
           <a:p>
-            <a:pPr algn="ctr"/>
             <a:r>
-              <a:rPr lang="en-GB" sz="700" dirty="0" err="1">
-                <a:latin typeface="HeiT" panose="020B0502000000000001" pitchFamily="34" charset="-120"/>
-                <a:ea typeface="HeiT" panose="020B0502000000000001" pitchFamily="34" charset="-120"/>
-                <a:cs typeface="Helvetica" panose="020B0604020202020204" pitchFamily="34" charset="0"/>
-              </a:rPr>
-              <a:t>AST</a:t>
-            </a:r>
-            <a:r>
-              <a:rPr lang="en-GB" sz="700" baseline="-25000" dirty="0" err="1">
-                <a:latin typeface="HeiT" panose="020B0502000000000001" pitchFamily="34" charset="-120"/>
-                <a:ea typeface="HeiT" panose="020B0502000000000001" pitchFamily="34" charset="-120"/>
-                <a:cs typeface="Helvetica" panose="020B0604020202020204" pitchFamily="34" charset="0"/>
-              </a:rPr>
-              <a:t>k</a:t>
-            </a:r>
-            <a:endParaRPr lang="en-GB" sz="700" baseline="-25000" dirty="0">
-              <a:latin typeface="HeiT" panose="020B0502000000000001" pitchFamily="34" charset="-120"/>
-              <a:ea typeface="HeiT" panose="020B0502000000000001" pitchFamily="34" charset="-120"/>
-              <a:cs typeface="Helvetica" panose="020B0604020202020204" pitchFamily="34" charset="0"/>
-            </a:endParaRPr>
-          </a:p>
-        </p:txBody>
-      </p:sp>
-      <p:pic>
-        <p:nvPicPr>
-          <p:cNvPr id="9" name="Picture 8"/>
-          <p:cNvPicPr>
-            <a:picLocks noChangeAspect="1"/>
-          </p:cNvPicPr>
-          <p:nvPr/>
-        </p:nvPicPr>
-        <p:blipFill>
-          <a:blip r:embed="rId4">
-            <a:extLst>
-              <a:ext uri="{28A0092B-C50C-407E-A947-70E740481C1C}">
-                <a14:useLocalDpi xmlns:a14="http://schemas.microsoft.com/office/drawing/2010/main" val="0"/>
-              </a:ext>
-            </a:extLst>
-          </a:blip>
-          <a:stretch>
-            <a:fillRect/>
-          </a:stretch>
-        </p:blipFill>
-        <p:spPr>
-          <a:xfrm>
-            <a:off x="4213513" y="2552699"/>
-            <a:ext cx="2118746" cy="1544079"/>
-          </a:xfrm>
-          <a:prstGeom prst="rect">
-            <a:avLst/>
-          </a:prstGeom>
-        </p:spPr>
-      </p:pic>
-      <p:sp>
-        <p:nvSpPr>
-          <p:cNvPr id="70" name="TextBox 69">
-            <a:extLst>
-              <a:ext uri="{FF2B5EF4-FFF2-40B4-BE49-F238E27FC236}">
-                <a16:creationId xmlns:a16="http://schemas.microsoft.com/office/drawing/2014/main" id="{48A14326-E42E-B11D-29FB-16036A35C13B}"/>
-              </a:ext>
-            </a:extLst>
-          </p:cNvPr>
-          <p:cNvSpPr txBox="1"/>
-          <p:nvPr/>
-        </p:nvSpPr>
-        <p:spPr>
-          <a:xfrm rot="16200000">
-            <a:off x="3538070" y="3097652"/>
-            <a:ext cx="1179748" cy="307777"/>
-          </a:xfrm>
-          <a:prstGeom prst="rect">
-            <a:avLst/>
-          </a:prstGeom>
-          <a:noFill/>
-        </p:spPr>
-        <p:txBody>
-          <a:bodyPr wrap="square" rtlCol="0">
-            <a:spAutoFit/>
-          </a:bodyPr>
-          <a:lstStyle/>
-          <a:p>
-            <a:pPr algn="ctr"/>
-            <a:r>
-              <a:rPr lang="en-GB" sz="700" dirty="0" smtClean="0">
-                <a:latin typeface="HeiT" panose="020B0502000000000001" pitchFamily="34" charset="-120"/>
-                <a:ea typeface="HeiT" panose="020B0502000000000001" pitchFamily="34" charset="-120"/>
-                <a:cs typeface="Helvetica" panose="020B0604020202020204" pitchFamily="34" charset="0"/>
-              </a:rPr>
-              <a:t>Transaction volume</a:t>
-            </a:r>
-          </a:p>
-          <a:p>
-            <a:pPr algn="ctr"/>
-            <a:r>
-              <a:rPr lang="en-GB" sz="700" dirty="0" smtClean="0">
-                <a:latin typeface="HeiT" panose="020B0502000000000001" pitchFamily="34" charset="-120"/>
-                <a:ea typeface="HeiT" panose="020B0502000000000001" pitchFamily="34" charset="-120"/>
-                <a:cs typeface="Helvetica" panose="020B0604020202020204" pitchFamily="34" charset="0"/>
-              </a:rPr>
-              <a:t> (% of total)</a:t>
-            </a:r>
-            <a:endParaRPr lang="en-GB" sz="700" baseline="-25000" dirty="0">
-              <a:latin typeface="HeiT" panose="020B0502000000000001" pitchFamily="34" charset="-120"/>
-              <a:ea typeface="HeiT" panose="020B0502000000000001" pitchFamily="34" charset="-120"/>
-              <a:cs typeface="Helvetica" panose="020B0604020202020204" pitchFamily="34" charset="0"/>
-            </a:endParaRPr>
-          </a:p>
-        </p:txBody>
-      </p:sp>
-      <p:sp>
-        <p:nvSpPr>
-          <p:cNvPr id="71" name="TextBox 70">
-            <a:extLst>
-              <a:ext uri="{FF2B5EF4-FFF2-40B4-BE49-F238E27FC236}">
-                <a16:creationId xmlns:a16="http://schemas.microsoft.com/office/drawing/2014/main" id="{48A14326-E42E-B11D-29FB-16036A35C13B}"/>
-              </a:ext>
-            </a:extLst>
-          </p:cNvPr>
-          <p:cNvSpPr txBox="1"/>
-          <p:nvPr/>
-        </p:nvSpPr>
-        <p:spPr>
-          <a:xfrm>
-            <a:off x="4688660" y="4120697"/>
-            <a:ext cx="1179748" cy="184666"/>
-          </a:xfrm>
-          <a:prstGeom prst="rect">
-            <a:avLst/>
-          </a:prstGeom>
-          <a:noFill/>
-        </p:spPr>
-        <p:txBody>
-          <a:bodyPr wrap="square" rtlCol="0">
-            <a:spAutoFit/>
-          </a:bodyPr>
-          <a:lstStyle/>
-          <a:p>
-            <a:pPr algn="ctr"/>
-            <a:r>
-              <a:rPr lang="en-GB" sz="600" dirty="0" err="1">
-                <a:latin typeface="HeiT" panose="020B0502000000000001" pitchFamily="34" charset="-120"/>
-                <a:ea typeface="HeiT" panose="020B0502000000000001" pitchFamily="34" charset="-120"/>
-                <a:cs typeface="Helvetica" panose="020B0604020202020204" pitchFamily="34" charset="0"/>
-              </a:rPr>
-              <a:t>AST</a:t>
-            </a:r>
-            <a:r>
-              <a:rPr lang="en-GB" sz="600" baseline="-25000" dirty="0" err="1">
-                <a:latin typeface="HeiT" panose="020B0502000000000001" pitchFamily="34" charset="-120"/>
-                <a:ea typeface="HeiT" panose="020B0502000000000001" pitchFamily="34" charset="-120"/>
-                <a:cs typeface="Helvetica" panose="020B0604020202020204" pitchFamily="34" charset="0"/>
-              </a:rPr>
-              <a:t>k</a:t>
-            </a:r>
-            <a:endParaRPr lang="en-GB" sz="600" baseline="-25000" dirty="0">
-              <a:latin typeface="HeiT" panose="020B0502000000000001" pitchFamily="34" charset="-120"/>
-              <a:ea typeface="HeiT" panose="020B0502000000000001" pitchFamily="34" charset="-120"/>
-              <a:cs typeface="Helvetica" panose="020B0604020202020204" pitchFamily="34" charset="0"/>
-            </a:endParaRPr>
-          </a:p>
-        </p:txBody>
-      </p:sp>
-      <p:sp>
-        <p:nvSpPr>
-          <p:cNvPr id="72" name="TextBox 71">
-            <a:extLst>
-              <a:ext uri="{FF2B5EF4-FFF2-40B4-BE49-F238E27FC236}">
-                <a16:creationId xmlns:a16="http://schemas.microsoft.com/office/drawing/2014/main" id="{48A14326-E42E-B11D-29FB-16036A35C13B}"/>
-              </a:ext>
-            </a:extLst>
-          </p:cNvPr>
-          <p:cNvSpPr txBox="1"/>
-          <p:nvPr/>
-        </p:nvSpPr>
-        <p:spPr>
-          <a:xfrm>
-            <a:off x="3910802" y="3851253"/>
-            <a:ext cx="1179748" cy="161583"/>
-          </a:xfrm>
-          <a:prstGeom prst="rect">
-            <a:avLst/>
-          </a:prstGeom>
-          <a:noFill/>
-        </p:spPr>
-        <p:txBody>
-          <a:bodyPr wrap="square" rtlCol="0">
-            <a:spAutoFit/>
-          </a:bodyPr>
-          <a:lstStyle/>
-          <a:p>
-            <a:pPr algn="ctr"/>
-            <a:r>
-              <a:rPr lang="en-GB" sz="450" dirty="0" smtClean="0">
+              <a:rPr lang="en-GB" sz="500" dirty="0" smtClean="0">
                 <a:latin typeface="Helvetica" panose="020B0604020202020204" pitchFamily="34" charset="0"/>
-                <a:ea typeface="HeiT" panose="020B0502000000000001" pitchFamily="34" charset="-120"/>
                 <a:cs typeface="Helvetica" panose="020B0604020202020204" pitchFamily="34" charset="0"/>
               </a:rPr>
               <a:t>n=7</a:t>
             </a:r>
-            <a:endParaRPr lang="en-GB" sz="450" baseline="-25000" dirty="0">
-              <a:latin typeface="Helvetica" panose="020B0604020202020204" pitchFamily="34" charset="0"/>
-              <a:ea typeface="HeiT" panose="020B0502000000000001" pitchFamily="34" charset="-120"/>
-              <a:cs typeface="Helvetica" panose="020B0604020202020204" pitchFamily="34" charset="0"/>
-            </a:endParaRPr>
-          </a:p>
-        </p:txBody>
-      </p:sp>
-      <p:sp>
-        <p:nvSpPr>
-          <p:cNvPr id="73" name="TextBox 72">
-            <a:extLst>
-              <a:ext uri="{FF2B5EF4-FFF2-40B4-BE49-F238E27FC236}">
-                <a16:creationId xmlns:a16="http://schemas.microsoft.com/office/drawing/2014/main" id="{48A14326-E42E-B11D-29FB-16036A35C13B}"/>
-              </a:ext>
-            </a:extLst>
-          </p:cNvPr>
-          <p:cNvSpPr txBox="1"/>
-          <p:nvPr/>
-        </p:nvSpPr>
-        <p:spPr>
-          <a:xfrm>
-            <a:off x="4227130" y="3760723"/>
-            <a:ext cx="1179748" cy="161583"/>
-          </a:xfrm>
-          <a:prstGeom prst="rect">
-            <a:avLst/>
-          </a:prstGeom>
-          <a:noFill/>
-        </p:spPr>
-        <p:txBody>
-          <a:bodyPr wrap="square" rtlCol="0">
-            <a:spAutoFit/>
-          </a:bodyPr>
-          <a:lstStyle/>
-          <a:p>
-            <a:pPr algn="ctr"/>
             <a:r>
-              <a:rPr lang="en-GB" sz="450" dirty="0" smtClean="0">
+              <a:rPr lang="en-GB" sz="452" dirty="0" smtClean="0">
                 <a:latin typeface="Helvetica" panose="020B0604020202020204" pitchFamily="34" charset="0"/>
-                <a:ea typeface="HeiT" panose="020B0502000000000001" pitchFamily="34" charset="-120"/>
                 <a:cs typeface="Helvetica" panose="020B0604020202020204" pitchFamily="34" charset="0"/>
               </a:rPr>
-              <a:t>n=8</a:t>
+              <a:t> </a:t>
             </a:r>
-            <a:endParaRPr lang="en-GB" sz="450" baseline="-25000" dirty="0">
+            <a:endParaRPr lang="en-GB" sz="452" dirty="0">
               <a:latin typeface="Helvetica" panose="020B0604020202020204" pitchFamily="34" charset="0"/>
-              <a:ea typeface="HeiT" panose="020B0502000000000001" pitchFamily="34" charset="-120"/>
-              <a:cs typeface="Helvetica" panose="020B0604020202020204" pitchFamily="34" charset="0"/>
-            </a:endParaRPr>
-          </a:p>
-        </p:txBody>
-      </p:sp>
-      <p:sp>
-        <p:nvSpPr>
-          <p:cNvPr id="74" name="TextBox 73">
-            <a:extLst>
-              <a:ext uri="{FF2B5EF4-FFF2-40B4-BE49-F238E27FC236}">
-                <a16:creationId xmlns:a16="http://schemas.microsoft.com/office/drawing/2014/main" id="{48A14326-E42E-B11D-29FB-16036A35C13B}"/>
-              </a:ext>
-            </a:extLst>
-          </p:cNvPr>
-          <p:cNvSpPr txBox="1"/>
-          <p:nvPr/>
-        </p:nvSpPr>
-        <p:spPr>
-          <a:xfrm>
-            <a:off x="4555329" y="3719576"/>
-            <a:ext cx="1179748" cy="161583"/>
-          </a:xfrm>
-          <a:prstGeom prst="rect">
-            <a:avLst/>
-          </a:prstGeom>
-          <a:noFill/>
-        </p:spPr>
-        <p:txBody>
-          <a:bodyPr wrap="square" rtlCol="0">
-            <a:spAutoFit/>
-          </a:bodyPr>
-          <a:lstStyle/>
-          <a:p>
-            <a:pPr algn="ctr"/>
-            <a:r>
-              <a:rPr lang="en-GB" sz="450" dirty="0" smtClean="0">
-                <a:latin typeface="Helvetica" panose="020B0604020202020204" pitchFamily="34" charset="0"/>
-                <a:ea typeface="HeiT" panose="020B0502000000000001" pitchFamily="34" charset="-120"/>
-                <a:cs typeface="Helvetica" panose="020B0604020202020204" pitchFamily="34" charset="0"/>
-              </a:rPr>
-              <a:t>n=30</a:t>
-            </a:r>
-            <a:endParaRPr lang="en-GB" sz="450" baseline="-25000" dirty="0">
-              <a:latin typeface="Helvetica" panose="020B0604020202020204" pitchFamily="34" charset="0"/>
-              <a:ea typeface="HeiT" panose="020B0502000000000001" pitchFamily="34" charset="-120"/>
-              <a:cs typeface="Helvetica" panose="020B0604020202020204" pitchFamily="34" charset="0"/>
-            </a:endParaRPr>
-          </a:p>
-        </p:txBody>
-      </p:sp>
-      <p:sp>
-        <p:nvSpPr>
-          <p:cNvPr id="76" name="TextBox 75">
-            <a:extLst>
-              <a:ext uri="{FF2B5EF4-FFF2-40B4-BE49-F238E27FC236}">
-                <a16:creationId xmlns:a16="http://schemas.microsoft.com/office/drawing/2014/main" id="{48A14326-E42E-B11D-29FB-16036A35C13B}"/>
-              </a:ext>
-            </a:extLst>
-          </p:cNvPr>
-          <p:cNvSpPr txBox="1"/>
-          <p:nvPr/>
-        </p:nvSpPr>
-        <p:spPr>
-          <a:xfrm>
-            <a:off x="4853920" y="3768884"/>
-            <a:ext cx="1179748" cy="161583"/>
-          </a:xfrm>
-          <a:prstGeom prst="rect">
-            <a:avLst/>
-          </a:prstGeom>
-          <a:noFill/>
-        </p:spPr>
-        <p:txBody>
-          <a:bodyPr wrap="square" rtlCol="0">
-            <a:spAutoFit/>
-          </a:bodyPr>
-          <a:lstStyle/>
-          <a:p>
-            <a:pPr algn="ctr"/>
-            <a:r>
-              <a:rPr lang="en-GB" sz="450" dirty="0" smtClean="0">
-                <a:latin typeface="Helvetica" panose="020B0604020202020204" pitchFamily="34" charset="0"/>
-                <a:ea typeface="HeiT" panose="020B0502000000000001" pitchFamily="34" charset="-120"/>
-                <a:cs typeface="Helvetica" panose="020B0604020202020204" pitchFamily="34" charset="0"/>
-              </a:rPr>
-              <a:t>n=47</a:t>
-            </a:r>
-            <a:endParaRPr lang="en-GB" sz="450" baseline="-25000" dirty="0">
-              <a:latin typeface="Helvetica" panose="020B0604020202020204" pitchFamily="34" charset="0"/>
-              <a:ea typeface="HeiT" panose="020B0502000000000001" pitchFamily="34" charset="-120"/>
-              <a:cs typeface="Helvetica" panose="020B0604020202020204" pitchFamily="34" charset="0"/>
-            </a:endParaRPr>
-          </a:p>
-        </p:txBody>
-      </p:sp>
-      <p:sp>
-        <p:nvSpPr>
-          <p:cNvPr id="77" name="TextBox 76">
-            <a:extLst>
-              <a:ext uri="{FF2B5EF4-FFF2-40B4-BE49-F238E27FC236}">
-                <a16:creationId xmlns:a16="http://schemas.microsoft.com/office/drawing/2014/main" id="{48A14326-E42E-B11D-29FB-16036A35C13B}"/>
-              </a:ext>
-            </a:extLst>
-          </p:cNvPr>
-          <p:cNvSpPr txBox="1"/>
-          <p:nvPr/>
-        </p:nvSpPr>
-        <p:spPr>
-          <a:xfrm>
-            <a:off x="5175012" y="3426423"/>
-            <a:ext cx="1179748" cy="161583"/>
-          </a:xfrm>
-          <a:prstGeom prst="rect">
-            <a:avLst/>
-          </a:prstGeom>
-          <a:noFill/>
-        </p:spPr>
-        <p:txBody>
-          <a:bodyPr wrap="square" rtlCol="0">
-            <a:spAutoFit/>
-          </a:bodyPr>
-          <a:lstStyle/>
-          <a:p>
-            <a:pPr algn="ctr"/>
-            <a:r>
-              <a:rPr lang="en-GB" sz="450" dirty="0" smtClean="0">
-                <a:latin typeface="Helvetica" panose="020B0604020202020204" pitchFamily="34" charset="0"/>
-                <a:ea typeface="HeiT" panose="020B0502000000000001" pitchFamily="34" charset="-120"/>
-                <a:cs typeface="Helvetica" panose="020B0604020202020204" pitchFamily="34" charset="0"/>
-              </a:rPr>
-              <a:t>n=39</a:t>
-            </a:r>
-            <a:endParaRPr lang="en-GB" sz="450" baseline="-25000" dirty="0">
-              <a:latin typeface="Helvetica" panose="020B0604020202020204" pitchFamily="34" charset="0"/>
-              <a:ea typeface="HeiT" panose="020B0502000000000001" pitchFamily="34" charset="-120"/>
-              <a:cs typeface="Helvetica" panose="020B0604020202020204" pitchFamily="34" charset="0"/>
-            </a:endParaRPr>
-          </a:p>
-        </p:txBody>
-      </p:sp>
-      <p:sp>
-        <p:nvSpPr>
-          <p:cNvPr id="78" name="TextBox 77">
-            <a:extLst>
-              <a:ext uri="{FF2B5EF4-FFF2-40B4-BE49-F238E27FC236}">
-                <a16:creationId xmlns:a16="http://schemas.microsoft.com/office/drawing/2014/main" id="{48A14326-E42E-B11D-29FB-16036A35C13B}"/>
-              </a:ext>
-            </a:extLst>
-          </p:cNvPr>
-          <p:cNvSpPr txBox="1"/>
-          <p:nvPr/>
-        </p:nvSpPr>
-        <p:spPr>
-          <a:xfrm>
-            <a:off x="5525102" y="2599395"/>
-            <a:ext cx="1179748" cy="161583"/>
-          </a:xfrm>
-          <a:prstGeom prst="rect">
-            <a:avLst/>
-          </a:prstGeom>
-          <a:noFill/>
-        </p:spPr>
-        <p:txBody>
-          <a:bodyPr wrap="square" rtlCol="0">
-            <a:spAutoFit/>
-          </a:bodyPr>
-          <a:lstStyle/>
-          <a:p>
-            <a:pPr algn="ctr"/>
-            <a:r>
-              <a:rPr lang="en-GB" sz="450" dirty="0" smtClean="0">
-                <a:latin typeface="Helvetica" panose="020B0604020202020204" pitchFamily="34" charset="0"/>
-                <a:ea typeface="HeiT" panose="020B0502000000000001" pitchFamily="34" charset="-120"/>
-                <a:cs typeface="Helvetica" panose="020B0604020202020204" pitchFamily="34" charset="0"/>
-              </a:rPr>
-              <a:t>n=70</a:t>
-            </a:r>
-            <a:endParaRPr lang="en-GB" sz="450" baseline="-25000" dirty="0">
-              <a:latin typeface="Helvetica" panose="020B0604020202020204" pitchFamily="34" charset="0"/>
-              <a:ea typeface="HeiT" panose="020B0502000000000001" pitchFamily="34" charset="-120"/>
               <a:cs typeface="Helvetica" panose="020B0604020202020204" pitchFamily="34" charset="0"/>
             </a:endParaRPr>
           </a:p>
@@ -20442,15 +20483,6 @@
 </file>
 
 <file path=customXml/item1.xml><?xml version="1.0" encoding="utf-8"?>
-<?mso-contentType ?>
-<FormTemplates xmlns="http://schemas.microsoft.com/sharepoint/v3/contenttype/forms">
-  <Display>DocumentLibraryForm</Display>
-  <Edit>DocumentLibraryForm</Edit>
-  <New>DocumentLibraryForm</New>
-</FormTemplates>
-</file>
-
-<file path=customXml/item2.xml><?xml version="1.0" encoding="utf-8"?>
 <ct:contentTypeSchema xmlns:ct="http://schemas.microsoft.com/office/2006/metadata/contentType" xmlns:ma="http://schemas.microsoft.com/office/2006/metadata/properties/metaAttributes" ct:_="" ma:_="" ma:contentTypeName="Document" ma:contentTypeID="0x0101008F4ADA58BAB4BD43855D6AA36652C25E" ma:contentTypeVersion="15" ma:contentTypeDescription="Create a new document." ma:contentTypeScope="" ma:versionID="d717b84fdc7afb44ac1af755b7f54b18">
   <xsd:schema xmlns:xsd="http://www.w3.org/2001/XMLSchema" xmlns:xs="http://www.w3.org/2001/XMLSchema" xmlns:p="http://schemas.microsoft.com/office/2006/metadata/properties" xmlns:ns2="d67fce5f-2f04-4f7c-8e45-1ec614d56b91" xmlns:ns3="5cad2852-fd11-4253-a5dd-38f1c2375401" targetNamespace="http://schemas.microsoft.com/office/2006/metadata/properties" ma:root="true" ma:fieldsID="063b5eaed4ff6c1f68f3609159d276b6" ns2:_="" ns3:_="">
     <xsd:import namespace="d67fce5f-2f04-4f7c-8e45-1ec614d56b91"/>
@@ -20687,6 +20719,15 @@
 </ct:contentTypeSchema>
 </file>
 
+<file path=customXml/item2.xml><?xml version="1.0" encoding="utf-8"?>
+<?mso-contentType ?>
+<FormTemplates xmlns="http://schemas.microsoft.com/sharepoint/v3/contenttype/forms">
+  <Display>DocumentLibraryForm</Display>
+  <Edit>DocumentLibraryForm</Edit>
+  <New>DocumentLibraryForm</New>
+</FormTemplates>
+</file>
+
 <file path=customXml/item3.xml><?xml version="1.0" encoding="utf-8"?>
 <p:properties xmlns:p="http://schemas.microsoft.com/office/2006/metadata/properties" xmlns:xsi="http://www.w3.org/2001/XMLSchema-instance" xmlns:pc="http://schemas.microsoft.com/office/infopath/2007/PartnerControls">
   <documentManagement>
@@ -20699,14 +20740,6 @@
 </file>
 
 <file path=customXml/itemProps1.xml><?xml version="1.0" encoding="utf-8"?>
-<ds:datastoreItem xmlns:ds="http://schemas.openxmlformats.org/officeDocument/2006/customXml" ds:itemID="{C789930F-4919-4017-8038-D3ADC3BB80B1}">
-  <ds:schemaRefs>
-    <ds:schemaRef ds:uri="http://schemas.microsoft.com/sharepoint/v3/contenttype/forms"/>
-  </ds:schemaRefs>
-</ds:datastoreItem>
-</file>
-
-<file path=customXml/itemProps2.xml><?xml version="1.0" encoding="utf-8"?>
 <ds:datastoreItem xmlns:ds="http://schemas.openxmlformats.org/officeDocument/2006/customXml" ds:itemID="{913DAD98-33B1-4D3E-9720-0EF97849D385}">
   <ds:schemaRefs>
     <ds:schemaRef ds:uri="http://schemas.microsoft.com/office/2006/metadata/contentType"/>
@@ -20725,18 +20758,26 @@
 </ds:datastoreItem>
 </file>
 
+<file path=customXml/itemProps2.xml><?xml version="1.0" encoding="utf-8"?>
+<ds:datastoreItem xmlns:ds="http://schemas.openxmlformats.org/officeDocument/2006/customXml" ds:itemID="{C789930F-4919-4017-8038-D3ADC3BB80B1}">
+  <ds:schemaRefs>
+    <ds:schemaRef ds:uri="http://schemas.microsoft.com/sharepoint/v3/contenttype/forms"/>
+  </ds:schemaRefs>
+</ds:datastoreItem>
+</file>
+
 <file path=customXml/itemProps3.xml><?xml version="1.0" encoding="utf-8"?>
 <ds:datastoreItem xmlns:ds="http://schemas.openxmlformats.org/officeDocument/2006/customXml" ds:itemID="{CB15E116-BD27-4B83-9379-B22A911FE43D}">
   <ds:schemaRefs>
+    <ds:schemaRef ds:uri="http://schemas.microsoft.com/office/2006/metadata/properties"/>
+    <ds:schemaRef ds:uri="d67fce5f-2f04-4f7c-8e45-1ec614d56b91"/>
+    <ds:schemaRef ds:uri="http://schemas.microsoft.com/office/2006/documentManagement/types"/>
+    <ds:schemaRef ds:uri="http://purl.org/dc/terms/"/>
+    <ds:schemaRef ds:uri="http://schemas.microsoft.com/office/infopath/2007/PartnerControls"/>
+    <ds:schemaRef ds:uri="http://purl.org/dc/elements/1.1/"/>
     <ds:schemaRef ds:uri="http://purl.org/dc/dcmitype/"/>
     <ds:schemaRef ds:uri="5cad2852-fd11-4253-a5dd-38f1c2375401"/>
-    <ds:schemaRef ds:uri="http://purl.org/dc/elements/1.1/"/>
-    <ds:schemaRef ds:uri="http://purl.org/dc/terms/"/>
-    <ds:schemaRef ds:uri="http://schemas.microsoft.com/office/infopath/2007/PartnerControls"/>
-    <ds:schemaRef ds:uri="http://schemas.microsoft.com/office/2006/documentManagement/types"/>
-    <ds:schemaRef ds:uri="http://schemas.microsoft.com/office/2006/metadata/properties"/>
     <ds:schemaRef ds:uri="http://schemas.openxmlformats.org/package/2006/metadata/core-properties"/>
-    <ds:schemaRef ds:uri="d67fce5f-2f04-4f7c-8e45-1ec614d56b91"/>
     <ds:schemaRef ds:uri="http://www.w3.org/XML/1998/namespace"/>
   </ds:schemaRefs>
 </ds:datastoreItem>

--- a/reports/figures/edit-desindex-panel-figures.pptx
+++ b/reports/figures/edit-desindex-panel-figures.pptx
@@ -3620,7 +3620,7 @@
           <a:p>
             <a:fld id="{CEB57C05-9606-4C2E-9455-9A368AB37763}" type="datetimeFigureOut">
               <a:rPr lang="en-GB" smtClean="0"/>
-              <a:t>27/02/2024</a:t>
+              <a:t>04/03/2024</a:t>
             </a:fld>
             <a:endParaRPr lang="en-GB"/>
           </a:p>
@@ -4197,7 +4197,7 @@
           <a:p>
             <a:fld id="{846CE7D5-CF57-46EF-B807-FDD0502418D4}" type="datetimeFigureOut">
               <a:rPr lang="en-GB" smtClean="0"/>
-              <a:t>27/02/2024</a:t>
+              <a:t>04/03/2024</a:t>
             </a:fld>
             <a:endParaRPr lang="en-GB"/>
           </a:p>
@@ -4367,7 +4367,7 @@
           <a:p>
             <a:fld id="{846CE7D5-CF57-46EF-B807-FDD0502418D4}" type="datetimeFigureOut">
               <a:rPr lang="en-GB" smtClean="0"/>
-              <a:t>27/02/2024</a:t>
+              <a:t>04/03/2024</a:t>
             </a:fld>
             <a:endParaRPr lang="en-GB"/>
           </a:p>
@@ -4547,7 +4547,7 @@
           <a:p>
             <a:fld id="{846CE7D5-CF57-46EF-B807-FDD0502418D4}" type="datetimeFigureOut">
               <a:rPr lang="en-GB" smtClean="0"/>
-              <a:t>27/02/2024</a:t>
+              <a:t>04/03/2024</a:t>
             </a:fld>
             <a:endParaRPr lang="en-GB"/>
           </a:p>
@@ -4717,7 +4717,7 @@
           <a:p>
             <a:fld id="{846CE7D5-CF57-46EF-B807-FDD0502418D4}" type="datetimeFigureOut">
               <a:rPr lang="en-GB" smtClean="0"/>
-              <a:t>27/02/2024</a:t>
+              <a:t>04/03/2024</a:t>
             </a:fld>
             <a:endParaRPr lang="en-GB"/>
           </a:p>
@@ -4961,7 +4961,7 @@
           <a:p>
             <a:fld id="{846CE7D5-CF57-46EF-B807-FDD0502418D4}" type="datetimeFigureOut">
               <a:rPr lang="en-GB" smtClean="0"/>
-              <a:t>27/02/2024</a:t>
+              <a:t>04/03/2024</a:t>
             </a:fld>
             <a:endParaRPr lang="en-GB"/>
           </a:p>
@@ -5193,7 +5193,7 @@
           <a:p>
             <a:fld id="{846CE7D5-CF57-46EF-B807-FDD0502418D4}" type="datetimeFigureOut">
               <a:rPr lang="en-GB" smtClean="0"/>
-              <a:t>27/02/2024</a:t>
+              <a:t>04/03/2024</a:t>
             </a:fld>
             <a:endParaRPr lang="en-GB"/>
           </a:p>
@@ -5560,7 +5560,7 @@
           <a:p>
             <a:fld id="{846CE7D5-CF57-46EF-B807-FDD0502418D4}" type="datetimeFigureOut">
               <a:rPr lang="en-GB" smtClean="0"/>
-              <a:t>27/02/2024</a:t>
+              <a:t>04/03/2024</a:t>
             </a:fld>
             <a:endParaRPr lang="en-GB"/>
           </a:p>
@@ -5678,7 +5678,7 @@
           <a:p>
             <a:fld id="{846CE7D5-CF57-46EF-B807-FDD0502418D4}" type="datetimeFigureOut">
               <a:rPr lang="en-GB" smtClean="0"/>
-              <a:t>27/02/2024</a:t>
+              <a:t>04/03/2024</a:t>
             </a:fld>
             <a:endParaRPr lang="en-GB"/>
           </a:p>
@@ -5773,7 +5773,7 @@
           <a:p>
             <a:fld id="{846CE7D5-CF57-46EF-B807-FDD0502418D4}" type="datetimeFigureOut">
               <a:rPr lang="en-GB" smtClean="0"/>
-              <a:t>27/02/2024</a:t>
+              <a:t>04/03/2024</a:t>
             </a:fld>
             <a:endParaRPr lang="en-GB"/>
           </a:p>
@@ -6050,7 +6050,7 @@
           <a:p>
             <a:fld id="{846CE7D5-CF57-46EF-B807-FDD0502418D4}" type="datetimeFigureOut">
               <a:rPr lang="en-GB" smtClean="0"/>
-              <a:t>27/02/2024</a:t>
+              <a:t>04/03/2024</a:t>
             </a:fld>
             <a:endParaRPr lang="en-GB"/>
           </a:p>
@@ -6307,7 +6307,7 @@
           <a:p>
             <a:fld id="{846CE7D5-CF57-46EF-B807-FDD0502418D4}" type="datetimeFigureOut">
               <a:rPr lang="en-GB" smtClean="0"/>
-              <a:t>27/02/2024</a:t>
+              <a:t>04/03/2024</a:t>
             </a:fld>
             <a:endParaRPr lang="en-GB"/>
           </a:p>
@@ -6520,7 +6520,7 @@
           <a:p>
             <a:fld id="{846CE7D5-CF57-46EF-B807-FDD0502418D4}" type="datetimeFigureOut">
               <a:rPr lang="en-GB" smtClean="0"/>
-              <a:t>27/02/2024</a:t>
+              <a:t>04/03/2024</a:t>
             </a:fld>
             <a:endParaRPr lang="en-GB"/>
           </a:p>
@@ -17347,18 +17347,7 @@
                 <a:ea typeface="HeiT" panose="020B0502000000000001" pitchFamily="34" charset="-120"/>
                 <a:cs typeface="Helvetica" panose="020B0604020202020204" pitchFamily="34" charset="0"/>
               </a:rPr>
-              <a:t>Transaction volume</a:t>
-            </a:r>
-          </a:p>
-          <a:p>
-            <a:pPr algn="ctr"/>
-            <a:r>
-              <a:rPr lang="en-GB" sz="700" dirty="0" smtClean="0">
-                <a:latin typeface="HeiT" panose="020B0502000000000001" pitchFamily="34" charset="-120"/>
-                <a:ea typeface="HeiT" panose="020B0502000000000001" pitchFamily="34" charset="-120"/>
-                <a:cs typeface="Helvetica" panose="020B0604020202020204" pitchFamily="34" charset="0"/>
-              </a:rPr>
-              <a:t> (% of total)</a:t>
+              <a:t>% Of total transaction volume affected</a:t>
             </a:r>
             <a:endParaRPr lang="en-GB" sz="700" baseline="-25000" dirty="0">
               <a:latin typeface="HeiT" panose="020B0502000000000001" pitchFamily="34" charset="-120"/>
@@ -20483,6 +20472,15 @@
 </file>
 
 <file path=customXml/item1.xml><?xml version="1.0" encoding="utf-8"?>
+<?mso-contentType ?>
+<FormTemplates xmlns="http://schemas.microsoft.com/sharepoint/v3/contenttype/forms">
+  <Display>DocumentLibraryForm</Display>
+  <Edit>DocumentLibraryForm</Edit>
+  <New>DocumentLibraryForm</New>
+</FormTemplates>
+</file>
+
+<file path=customXml/item2.xml><?xml version="1.0" encoding="utf-8"?>
 <ct:contentTypeSchema xmlns:ct="http://schemas.microsoft.com/office/2006/metadata/contentType" xmlns:ma="http://schemas.microsoft.com/office/2006/metadata/properties/metaAttributes" ct:_="" ma:_="" ma:contentTypeName="Document" ma:contentTypeID="0x0101008F4ADA58BAB4BD43855D6AA36652C25E" ma:contentTypeVersion="15" ma:contentTypeDescription="Create a new document." ma:contentTypeScope="" ma:versionID="d717b84fdc7afb44ac1af755b7f54b18">
   <xsd:schema xmlns:xsd="http://www.w3.org/2001/XMLSchema" xmlns:xs="http://www.w3.org/2001/XMLSchema" xmlns:p="http://schemas.microsoft.com/office/2006/metadata/properties" xmlns:ns2="d67fce5f-2f04-4f7c-8e45-1ec614d56b91" xmlns:ns3="5cad2852-fd11-4253-a5dd-38f1c2375401" targetNamespace="http://schemas.microsoft.com/office/2006/metadata/properties" ma:root="true" ma:fieldsID="063b5eaed4ff6c1f68f3609159d276b6" ns2:_="" ns3:_="">
     <xsd:import namespace="d67fce5f-2f04-4f7c-8e45-1ec614d56b91"/>
@@ -20719,15 +20717,6 @@
 </ct:contentTypeSchema>
 </file>
 
-<file path=customXml/item2.xml><?xml version="1.0" encoding="utf-8"?>
-<?mso-contentType ?>
-<FormTemplates xmlns="http://schemas.microsoft.com/sharepoint/v3/contenttype/forms">
-  <Display>DocumentLibraryForm</Display>
-  <Edit>DocumentLibraryForm</Edit>
-  <New>DocumentLibraryForm</New>
-</FormTemplates>
-</file>
-
 <file path=customXml/item3.xml><?xml version="1.0" encoding="utf-8"?>
 <p:properties xmlns:p="http://schemas.microsoft.com/office/2006/metadata/properties" xmlns:xsi="http://www.w3.org/2001/XMLSchema-instance" xmlns:pc="http://schemas.microsoft.com/office/infopath/2007/PartnerControls">
   <documentManagement>
@@ -20740,6 +20729,14 @@
 </file>
 
 <file path=customXml/itemProps1.xml><?xml version="1.0" encoding="utf-8"?>
+<ds:datastoreItem xmlns:ds="http://schemas.openxmlformats.org/officeDocument/2006/customXml" ds:itemID="{C789930F-4919-4017-8038-D3ADC3BB80B1}">
+  <ds:schemaRefs>
+    <ds:schemaRef ds:uri="http://schemas.microsoft.com/sharepoint/v3/contenttype/forms"/>
+  </ds:schemaRefs>
+</ds:datastoreItem>
+</file>
+
+<file path=customXml/itemProps2.xml><?xml version="1.0" encoding="utf-8"?>
 <ds:datastoreItem xmlns:ds="http://schemas.openxmlformats.org/officeDocument/2006/customXml" ds:itemID="{913DAD98-33B1-4D3E-9720-0EF97849D385}">
   <ds:schemaRefs>
     <ds:schemaRef ds:uri="http://schemas.microsoft.com/office/2006/metadata/contentType"/>
@@ -20758,27 +20755,19 @@
 </ds:datastoreItem>
 </file>
 
-<file path=customXml/itemProps2.xml><?xml version="1.0" encoding="utf-8"?>
-<ds:datastoreItem xmlns:ds="http://schemas.openxmlformats.org/officeDocument/2006/customXml" ds:itemID="{C789930F-4919-4017-8038-D3ADC3BB80B1}">
-  <ds:schemaRefs>
-    <ds:schemaRef ds:uri="http://schemas.microsoft.com/sharepoint/v3/contenttype/forms"/>
-  </ds:schemaRefs>
-</ds:datastoreItem>
-</file>
-
 <file path=customXml/itemProps3.xml><?xml version="1.0" encoding="utf-8"?>
 <ds:datastoreItem xmlns:ds="http://schemas.openxmlformats.org/officeDocument/2006/customXml" ds:itemID="{CB15E116-BD27-4B83-9379-B22A911FE43D}">
   <ds:schemaRefs>
+    <ds:schemaRef ds:uri="http://www.w3.org/XML/1998/namespace"/>
+    <ds:schemaRef ds:uri="http://schemas.microsoft.com/office/2006/documentManagement/types"/>
     <ds:schemaRef ds:uri="http://schemas.microsoft.com/office/2006/metadata/properties"/>
+    <ds:schemaRef ds:uri="http://purl.org/dc/dcmitype/"/>
+    <ds:schemaRef ds:uri="http://purl.org/dc/terms/"/>
+    <ds:schemaRef ds:uri="http://schemas.openxmlformats.org/package/2006/metadata/core-properties"/>
+    <ds:schemaRef ds:uri="http://purl.org/dc/elements/1.1/"/>
+    <ds:schemaRef ds:uri="http://schemas.microsoft.com/office/infopath/2007/PartnerControls"/>
+    <ds:schemaRef ds:uri="5cad2852-fd11-4253-a5dd-38f1c2375401"/>
     <ds:schemaRef ds:uri="d67fce5f-2f04-4f7c-8e45-1ec614d56b91"/>
-    <ds:schemaRef ds:uri="http://schemas.microsoft.com/office/2006/documentManagement/types"/>
-    <ds:schemaRef ds:uri="http://purl.org/dc/terms/"/>
-    <ds:schemaRef ds:uri="http://schemas.microsoft.com/office/infopath/2007/PartnerControls"/>
-    <ds:schemaRef ds:uri="http://purl.org/dc/elements/1.1/"/>
-    <ds:schemaRef ds:uri="http://purl.org/dc/dcmitype/"/>
-    <ds:schemaRef ds:uri="5cad2852-fd11-4253-a5dd-38f1c2375401"/>
-    <ds:schemaRef ds:uri="http://schemas.openxmlformats.org/package/2006/metadata/core-properties"/>
-    <ds:schemaRef ds:uri="http://www.w3.org/XML/1998/namespace"/>
   </ds:schemaRefs>
 </ds:datastoreItem>
 </file>
--- a/reports/figures/edit-desindex-panel-figures.pptx
+++ b/reports/figures/edit-desindex-panel-figures.pptx
@@ -3620,7 +3620,7 @@
           <a:p>
             <a:fld id="{CEB57C05-9606-4C2E-9455-9A368AB37763}" type="datetimeFigureOut">
               <a:rPr lang="en-GB" smtClean="0"/>
-              <a:t>09/03/2024</a:t>
+              <a:t>11/03/2024</a:t>
             </a:fld>
             <a:endParaRPr lang="en-GB"/>
           </a:p>
@@ -4197,7 +4197,7 @@
           <a:p>
             <a:fld id="{846CE7D5-CF57-46EF-B807-FDD0502418D4}" type="datetimeFigureOut">
               <a:rPr lang="en-GB" smtClean="0"/>
-              <a:t>09/03/2024</a:t>
+              <a:t>11/03/2024</a:t>
             </a:fld>
             <a:endParaRPr lang="en-GB"/>
           </a:p>
@@ -4367,7 +4367,7 @@
           <a:p>
             <a:fld id="{846CE7D5-CF57-46EF-B807-FDD0502418D4}" type="datetimeFigureOut">
               <a:rPr lang="en-GB" smtClean="0"/>
-              <a:t>09/03/2024</a:t>
+              <a:t>11/03/2024</a:t>
             </a:fld>
             <a:endParaRPr lang="en-GB"/>
           </a:p>
@@ -4547,7 +4547,7 @@
           <a:p>
             <a:fld id="{846CE7D5-CF57-46EF-B807-FDD0502418D4}" type="datetimeFigureOut">
               <a:rPr lang="en-GB" smtClean="0"/>
-              <a:t>09/03/2024</a:t>
+              <a:t>11/03/2024</a:t>
             </a:fld>
             <a:endParaRPr lang="en-GB"/>
           </a:p>
@@ -4717,7 +4717,7 @@
           <a:p>
             <a:fld id="{846CE7D5-CF57-46EF-B807-FDD0502418D4}" type="datetimeFigureOut">
               <a:rPr lang="en-GB" smtClean="0"/>
-              <a:t>09/03/2024</a:t>
+              <a:t>11/03/2024</a:t>
             </a:fld>
             <a:endParaRPr lang="en-GB"/>
           </a:p>
@@ -4961,7 +4961,7 @@
           <a:p>
             <a:fld id="{846CE7D5-CF57-46EF-B807-FDD0502418D4}" type="datetimeFigureOut">
               <a:rPr lang="en-GB" smtClean="0"/>
-              <a:t>09/03/2024</a:t>
+              <a:t>11/03/2024</a:t>
             </a:fld>
             <a:endParaRPr lang="en-GB"/>
           </a:p>
@@ -5193,7 +5193,7 @@
           <a:p>
             <a:fld id="{846CE7D5-CF57-46EF-B807-FDD0502418D4}" type="datetimeFigureOut">
               <a:rPr lang="en-GB" smtClean="0"/>
-              <a:t>09/03/2024</a:t>
+              <a:t>11/03/2024</a:t>
             </a:fld>
             <a:endParaRPr lang="en-GB"/>
           </a:p>
@@ -5560,7 +5560,7 @@
           <a:p>
             <a:fld id="{846CE7D5-CF57-46EF-B807-FDD0502418D4}" type="datetimeFigureOut">
               <a:rPr lang="en-GB" smtClean="0"/>
-              <a:t>09/03/2024</a:t>
+              <a:t>11/03/2024</a:t>
             </a:fld>
             <a:endParaRPr lang="en-GB"/>
           </a:p>
@@ -5678,7 +5678,7 @@
           <a:p>
             <a:fld id="{846CE7D5-CF57-46EF-B807-FDD0502418D4}" type="datetimeFigureOut">
               <a:rPr lang="en-GB" smtClean="0"/>
-              <a:t>09/03/2024</a:t>
+              <a:t>11/03/2024</a:t>
             </a:fld>
             <a:endParaRPr lang="en-GB"/>
           </a:p>
@@ -5773,7 +5773,7 @@
           <a:p>
             <a:fld id="{846CE7D5-CF57-46EF-B807-FDD0502418D4}" type="datetimeFigureOut">
               <a:rPr lang="en-GB" smtClean="0"/>
-              <a:t>09/03/2024</a:t>
+              <a:t>11/03/2024</a:t>
             </a:fld>
             <a:endParaRPr lang="en-GB"/>
           </a:p>
@@ -6050,7 +6050,7 @@
           <a:p>
             <a:fld id="{846CE7D5-CF57-46EF-B807-FDD0502418D4}" type="datetimeFigureOut">
               <a:rPr lang="en-GB" smtClean="0"/>
-              <a:t>09/03/2024</a:t>
+              <a:t>11/03/2024</a:t>
             </a:fld>
             <a:endParaRPr lang="en-GB"/>
           </a:p>
@@ -6307,7 +6307,7 @@
           <a:p>
             <a:fld id="{846CE7D5-CF57-46EF-B807-FDD0502418D4}" type="datetimeFigureOut">
               <a:rPr lang="en-GB" smtClean="0"/>
-              <a:t>09/03/2024</a:t>
+              <a:t>11/03/2024</a:t>
             </a:fld>
             <a:endParaRPr lang="en-GB"/>
           </a:p>
@@ -6520,7 +6520,7 @@
           <a:p>
             <a:fld id="{846CE7D5-CF57-46EF-B807-FDD0502418D4}" type="datetimeFigureOut">
               <a:rPr lang="en-GB" smtClean="0"/>
-              <a:t>09/03/2024</a:t>
+              <a:t>11/03/2024</a:t>
             </a:fld>
             <a:endParaRPr lang="en-GB"/>
           </a:p>
@@ -9033,7 +9033,7 @@
         </p:nvSpPr>
         <p:spPr>
           <a:xfrm>
-            <a:off x="4099268" y="4274547"/>
+            <a:off x="4095458" y="4274547"/>
             <a:ext cx="530472" cy="175882"/>
           </a:xfrm>
           <a:prstGeom prst="rect">
@@ -9379,11 +9379,14 @@
           <a:p>
             <a:pPr algn="ctr"/>
             <a:r>
-              <a:rPr lang="en-GB" sz="543" b="1" dirty="0">
+              <a:rPr lang="en-GB" sz="543" b="1" dirty="0" smtClean="0">
                 <a:latin typeface="Helvetica" pitchFamily="2" charset="0"/>
               </a:rPr>
-              <a:t>468 Organisations </a:t>
-            </a:r>
+              <a:t>57 central government organisations </a:t>
+            </a:r>
+            <a:endParaRPr lang="en-GB" sz="543" b="1" dirty="0">
+              <a:latin typeface="Helvetica" pitchFamily="2" charset="0"/>
+            </a:endParaRPr>
           </a:p>
           <a:p>
             <a:pPr algn="ctr"/>
@@ -9391,7 +9394,31 @@
               <a:rPr lang="en-GB" sz="543" dirty="0">
                 <a:latin typeface="Helvetica" pitchFamily="2" charset="0"/>
               </a:rPr>
-              <a:t>(i.e., 44 departments, 424 executive agencies and public bodies)</a:t>
+              <a:t>(i.e</a:t>
+            </a:r>
+            <a:r>
+              <a:rPr lang="en-GB" sz="543" dirty="0" smtClean="0">
+                <a:latin typeface="Helvetica" pitchFamily="2" charset="0"/>
+              </a:rPr>
+              <a:t>., 22 departments</a:t>
+            </a:r>
+            <a:r>
+              <a:rPr lang="en-GB" sz="543" dirty="0">
+                <a:latin typeface="Helvetica" pitchFamily="2" charset="0"/>
+              </a:rPr>
+              <a:t>, </a:t>
+            </a:r>
+            <a:r>
+              <a:rPr lang="en-GB" sz="543" dirty="0" smtClean="0">
+                <a:latin typeface="Helvetica" pitchFamily="2" charset="0"/>
+              </a:rPr>
+              <a:t>35 </a:t>
+            </a:r>
+            <a:r>
+              <a:rPr lang="en-GB" sz="543" dirty="0">
+                <a:latin typeface="Helvetica" pitchFamily="2" charset="0"/>
+              </a:rPr>
+              <a:t>executive agencies and public bodies)</a:t>
             </a:r>
           </a:p>
         </p:txBody>
@@ -21209,15 +21236,15 @@
 <file path=customXml/itemProps2.xml><?xml version="1.0" encoding="utf-8"?>
 <ds:datastoreItem xmlns:ds="http://schemas.openxmlformats.org/officeDocument/2006/customXml" ds:itemID="{CB15E116-BD27-4B83-9379-B22A911FE43D}">
   <ds:schemaRefs>
-    <ds:schemaRef ds:uri="http://schemas.microsoft.com/office/2006/documentManagement/types"/>
     <ds:schemaRef ds:uri="http://purl.org/dc/terms/"/>
-    <ds:schemaRef ds:uri="http://www.w3.org/XML/1998/namespace"/>
     <ds:schemaRef ds:uri="5cad2852-fd11-4253-a5dd-38f1c2375401"/>
-    <ds:schemaRef ds:uri="http://schemas.microsoft.com/office/infopath/2007/PartnerControls"/>
     <ds:schemaRef ds:uri="http://purl.org/dc/elements/1.1/"/>
     <ds:schemaRef ds:uri="http://schemas.openxmlformats.org/package/2006/metadata/core-properties"/>
+    <ds:schemaRef ds:uri="http://schemas.microsoft.com/office/2006/metadata/properties"/>
+    <ds:schemaRef ds:uri="http://schemas.microsoft.com/office/2006/documentManagement/types"/>
+    <ds:schemaRef ds:uri="http://schemas.microsoft.com/office/infopath/2007/PartnerControls"/>
     <ds:schemaRef ds:uri="d67fce5f-2f04-4f7c-8e45-1ec614d56b91"/>
-    <ds:schemaRef ds:uri="http://schemas.microsoft.com/office/2006/metadata/properties"/>
+    <ds:schemaRef ds:uri="http://www.w3.org/XML/1998/namespace"/>
     <ds:schemaRef ds:uri="http://purl.org/dc/dcmitype/"/>
   </ds:schemaRefs>
 </ds:datastoreItem>
